--- a/PYTHON FINAL PPT1.pptx
+++ b/PYTHON FINAL PPT1.pptx
@@ -18,6 +18,7 @@
     <p:sldId id="267" r:id="rId12"/>
     <p:sldId id="269" r:id="rId13"/>
     <p:sldId id="270" r:id="rId14"/>
+    <p:sldId id="271" r:id="rId15"/>
   </p:sldIdLst>
   <p:sldSz cx="12192000" cy="6858000"/>
   <p:notesSz cx="6858000" cy="9144000"/>
@@ -3890,7 +3891,7 @@
           <a:p>
             <a:fld id="{F6FA2B21-3FCD-4721-B95C-427943F61125}" type="datetime1">
               <a:rPr lang="en-US" smtClean="0"/>
-              <a:t>12/15/19</a:t>
+              <a:t>12/16/19</a:t>
             </a:fld>
             <a:endParaRPr lang="en-US"/>
           </a:p>
@@ -4226,7 +4227,7 @@
           <a:p>
             <a:fld id="{F6FA2B21-3FCD-4721-B95C-427943F61125}" type="datetime1">
               <a:rPr lang="en-US" smtClean="0"/>
-              <a:t>12/15/19</a:t>
+              <a:t>12/16/19</a:t>
             </a:fld>
             <a:endParaRPr lang="en-US"/>
           </a:p>
@@ -4530,7 +4531,7 @@
           <a:p>
             <a:fld id="{F6FA2B21-3FCD-4721-B95C-427943F61125}" type="datetime1">
               <a:rPr lang="en-US" smtClean="0"/>
-              <a:t>12/15/19</a:t>
+              <a:t>12/16/19</a:t>
             </a:fld>
             <a:endParaRPr lang="en-US"/>
           </a:p>
@@ -4779,7 +4780,7 @@
           <a:p>
             <a:fld id="{F6FA2B21-3FCD-4721-B95C-427943F61125}" type="datetime1">
               <a:rPr lang="en-US" smtClean="0"/>
-              <a:t>12/15/19</a:t>
+              <a:t>12/16/19</a:t>
             </a:fld>
             <a:endParaRPr lang="en-US"/>
           </a:p>
@@ -5188,7 +5189,7 @@
           <a:p>
             <a:fld id="{F6FA2B21-3FCD-4721-B95C-427943F61125}" type="datetime1">
               <a:rPr lang="en-US" smtClean="0"/>
-              <a:t>12/15/19</a:t>
+              <a:t>12/16/19</a:t>
             </a:fld>
             <a:endParaRPr lang="en-US"/>
           </a:p>
@@ -5504,7 +5505,7 @@
           <a:p>
             <a:fld id="{F6FA2B21-3FCD-4721-B95C-427943F61125}" type="datetime1">
               <a:rPr lang="en-US" smtClean="0"/>
-              <a:t>12/15/19</a:t>
+              <a:t>12/16/19</a:t>
             </a:fld>
             <a:endParaRPr lang="en-US"/>
           </a:p>
@@ -6050,7 +6051,7 @@
           <a:p>
             <a:fld id="{F6FA2B21-3FCD-4721-B95C-427943F61125}" type="datetime1">
               <a:rPr lang="en-US" smtClean="0"/>
-              <a:t>12/15/19</a:t>
+              <a:t>12/16/19</a:t>
             </a:fld>
             <a:endParaRPr lang="en-US"/>
           </a:p>
@@ -6247,7 +6248,7 @@
           <a:p>
             <a:fld id="{F6FA2B21-3FCD-4721-B95C-427943F61125}" type="datetime1">
               <a:rPr lang="en-US" smtClean="0"/>
-              <a:t>12/15/19</a:t>
+              <a:t>12/16/19</a:t>
             </a:fld>
             <a:endParaRPr lang="en-US"/>
           </a:p>
@@ -6462,7 +6463,7 @@
           <a:p>
             <a:fld id="{F6FA2B21-3FCD-4721-B95C-427943F61125}" type="datetime1">
               <a:rPr lang="en-US" smtClean="0"/>
-              <a:t>12/15/19</a:t>
+              <a:t>12/16/19</a:t>
             </a:fld>
             <a:endParaRPr lang="en-US"/>
           </a:p>
@@ -6833,7 +6834,7 @@
           <a:p>
             <a:fld id="{F6FA2B21-3FCD-4721-B95C-427943F61125}" type="datetime1">
               <a:rPr lang="en-US" smtClean="0"/>
-              <a:t>12/15/19</a:t>
+              <a:t>12/16/19</a:t>
             </a:fld>
             <a:endParaRPr lang="en-US"/>
           </a:p>
@@ -7238,7 +7239,7 @@
           <a:p>
             <a:fld id="{F6FA2B21-3FCD-4721-B95C-427943F61125}" type="datetime1">
               <a:rPr lang="en-US" smtClean="0"/>
-              <a:t>12/15/19</a:t>
+              <a:t>12/16/19</a:t>
             </a:fld>
             <a:endParaRPr lang="en-US"/>
           </a:p>
@@ -7551,7 +7552,7 @@
           <a:p>
             <a:fld id="{F6FA2B21-3FCD-4721-B95C-427943F61125}" type="datetime1">
               <a:rPr lang="en-US" smtClean="0"/>
-              <a:t>12/15/19</a:t>
+              <a:t>12/16/19</a:t>
             </a:fld>
             <a:endParaRPr lang="en-US"/>
           </a:p>
@@ -8640,6 +8641,104 @@
 </p:sld>
 </file>
 
+<file path=ppt/slides/slide14.xml><?xml version="1.0" encoding="utf-8"?>
+<p:sld xmlns:a="http://schemas.openxmlformats.org/drawingml/2006/main" xmlns:r="http://schemas.openxmlformats.org/officeDocument/2006/relationships" xmlns:p="http://schemas.openxmlformats.org/presentationml/2006/main">
+  <p:cSld>
+    <p:spTree>
+      <p:nvGrpSpPr>
+        <p:cNvPr id="1" name=""/>
+        <p:cNvGrpSpPr/>
+        <p:nvPr/>
+      </p:nvGrpSpPr>
+      <p:grpSpPr>
+        <a:xfrm>
+          <a:off x="0" y="0"/>
+          <a:ext cx="0" cy="0"/>
+          <a:chOff x="0" y="0"/>
+          <a:chExt cx="0" cy="0"/>
+        </a:xfrm>
+      </p:grpSpPr>
+      <p:sp>
+        <p:nvSpPr>
+          <p:cNvPr id="2" name="标题 1">
+            <a:extLst>
+              <a:ext uri="{FF2B5EF4-FFF2-40B4-BE49-F238E27FC236}">
+                <a16:creationId xmlns:a16="http://schemas.microsoft.com/office/drawing/2014/main" id="{62F0D28F-A3FD-F547-AC88-037AF2011B0E}"/>
+              </a:ext>
+            </a:extLst>
+          </p:cNvPr>
+          <p:cNvSpPr>
+            <a:spLocks noGrp="1"/>
+          </p:cNvSpPr>
+          <p:nvPr>
+            <p:ph type="title"/>
+          </p:nvPr>
+        </p:nvSpPr>
+        <p:spPr>
+          <a:xfrm>
+            <a:off x="2611808" y="3061650"/>
+            <a:ext cx="7958331" cy="1077229"/>
+          </a:xfrm>
+        </p:spPr>
+        <p:txBody>
+          <a:bodyPr/>
+          <a:lstStyle/>
+          <a:p>
+            <a:pPr algn="ctr"/>
+            <a:r>
+              <a:rPr kumimoji="1" lang="en-US" altLang="zh-CN" dirty="0"/>
+              <a:t>Thank you</a:t>
+            </a:r>
+            <a:br>
+              <a:rPr kumimoji="1" lang="en-US" altLang="zh-CN" dirty="0"/>
+            </a:br>
+            <a:endParaRPr kumimoji="1" lang="zh-CN" altLang="en-US" dirty="0"/>
+          </a:p>
+        </p:txBody>
+      </p:sp>
+      <p:sp>
+        <p:nvSpPr>
+          <p:cNvPr id="3" name="内容占位符 2">
+            <a:extLst>
+              <a:ext uri="{FF2B5EF4-FFF2-40B4-BE49-F238E27FC236}">
+                <a16:creationId xmlns:a16="http://schemas.microsoft.com/office/drawing/2014/main" id="{12D11AA8-DB3B-3C45-BB32-77720F81E3DD}"/>
+              </a:ext>
+            </a:extLst>
+          </p:cNvPr>
+          <p:cNvSpPr>
+            <a:spLocks noGrp="1"/>
+          </p:cNvSpPr>
+          <p:nvPr>
+            <p:ph idx="1"/>
+          </p:nvPr>
+        </p:nvSpPr>
+        <p:spPr>
+          <a:xfrm>
+            <a:off x="2099732" y="1185333"/>
+            <a:ext cx="8720667" cy="4864611"/>
+          </a:xfrm>
+        </p:spPr>
+        <p:txBody>
+          <a:bodyPr/>
+          <a:lstStyle/>
+          <a:p>
+            <a:endParaRPr kumimoji="1" lang="zh-CN" altLang="en-US" dirty="0"/>
+          </a:p>
+        </p:txBody>
+      </p:sp>
+    </p:spTree>
+    <p:extLst>
+      <p:ext uri="{BB962C8B-B14F-4D97-AF65-F5344CB8AC3E}">
+        <p14:creationId xmlns:p14="http://schemas.microsoft.com/office/powerpoint/2010/main" val="798518681"/>
+      </p:ext>
+    </p:extLst>
+  </p:cSld>
+  <p:clrMapOvr>
+    <a:masterClrMapping/>
+  </p:clrMapOvr>
+</p:sld>
+</file>
+
 <file path=ppt/slides/slide2.xml><?xml version="1.0" encoding="utf-8"?>
 <p:sld xmlns:a="http://schemas.openxmlformats.org/drawingml/2006/main" xmlns:r="http://schemas.openxmlformats.org/officeDocument/2006/relationships" xmlns:p="http://schemas.openxmlformats.org/presentationml/2006/main">
   <p:cSld>
@@ -9653,6 +9752,18 @@
             <a:r>
               <a:rPr lang="en-US" altLang="zh-CN" dirty="0"/>
               <a:t> website and save it as a csv file.</a:t>
+            </a:r>
+          </a:p>
+          <a:p>
+            <a:r>
+              <a:rPr lang="en-US" altLang="zh-CN" dirty="0"/>
+              <a:t>2017 Kaggle ML &amp; DS Survey</a:t>
+            </a:r>
+          </a:p>
+          <a:p>
+            <a:r>
+              <a:rPr lang="en-US" altLang="zh-CN" dirty="0"/>
+              <a:t>A big picture view of the state of data science and machine learning.</a:t>
             </a:r>
           </a:p>
           <a:p>

--- a/PYTHON FINAL PPT1.pptx
+++ b/PYTHON FINAL PPT1.pptx
@@ -18,7 +18,8 @@
     <p:sldId id="267" r:id="rId12"/>
     <p:sldId id="269" r:id="rId13"/>
     <p:sldId id="270" r:id="rId14"/>
-    <p:sldId id="271" r:id="rId15"/>
+    <p:sldId id="272" r:id="rId15"/>
+    <p:sldId id="271" r:id="rId16"/>
   </p:sldIdLst>
   <p:sldSz cx="12192000" cy="6858000"/>
   <p:notesSz cx="6858000" cy="9144000"/>
@@ -1482,7 +1483,7 @@
       <dgm:spPr/>
     </dgm:pt>
     <dgm:pt modelId="{B58A8F28-2033-4BC1-A83E-7AC4752EE622}" type="pres">
-      <dgm:prSet presAssocID="{253B4E2D-8DB6-4FB6-9320-0644886540A4}" presName="bgRect" presStyleLbl="bgShp" presStyleIdx="4" presStyleCnt="5"/>
+      <dgm:prSet presAssocID="{253B4E2D-8DB6-4FB6-9320-0644886540A4}" presName="bgRect" presStyleLbl="bgShp" presStyleIdx="4" presStyleCnt="5" custLinFactNeighborX="-405" custLinFactNeighborY="7249"/>
       <dgm:spPr/>
     </dgm:pt>
     <dgm:pt modelId="{DAB992EC-EB99-44FE-8867-CCBD6D762DBF}" type="pres">
@@ -2198,7 +2199,7 @@
       </dsp:nvSpPr>
       <dsp:spPr>
         <a:xfrm>
-          <a:off x="0" y="4429930"/>
+          <a:off x="0" y="4434086"/>
           <a:ext cx="5889686" cy="885154"/>
         </a:xfrm>
         <a:prstGeom prst="roundRect">
@@ -8663,6 +8664,113 @@
           <p:cNvPr id="2" name="标题 1">
             <a:extLst>
               <a:ext uri="{FF2B5EF4-FFF2-40B4-BE49-F238E27FC236}">
+                <a16:creationId xmlns:a16="http://schemas.microsoft.com/office/drawing/2014/main" id="{C2BF9594-D255-1D42-AB74-A73087B5D3DD}"/>
+              </a:ext>
+            </a:extLst>
+          </p:cNvPr>
+          <p:cNvSpPr>
+            <a:spLocks noGrp="1"/>
+          </p:cNvSpPr>
+          <p:nvPr>
+            <p:ph type="title"/>
+          </p:nvPr>
+        </p:nvSpPr>
+        <p:spPr/>
+        <p:txBody>
+          <a:bodyPr/>
+          <a:lstStyle/>
+          <a:p>
+            <a:endParaRPr kumimoji="1" lang="zh-CN" altLang="en-US"/>
+          </a:p>
+        </p:txBody>
+      </p:sp>
+      <p:sp>
+        <p:nvSpPr>
+          <p:cNvPr id="3" name="内容占位符 2">
+            <a:extLst>
+              <a:ext uri="{FF2B5EF4-FFF2-40B4-BE49-F238E27FC236}">
+                <a16:creationId xmlns:a16="http://schemas.microsoft.com/office/drawing/2014/main" id="{E974F418-E144-144A-A10E-D708BF42BE4A}"/>
+              </a:ext>
+            </a:extLst>
+          </p:cNvPr>
+          <p:cNvSpPr>
+            <a:spLocks noGrp="1"/>
+          </p:cNvSpPr>
+          <p:nvPr>
+            <p:ph idx="1"/>
+          </p:nvPr>
+        </p:nvSpPr>
+        <p:spPr/>
+        <p:txBody>
+          <a:bodyPr/>
+          <a:lstStyle/>
+          <a:p>
+            <a:r>
+              <a:rPr kumimoji="1" lang="en-US" altLang="zh-CN" dirty="0"/>
+              <a:t>It is impossible to analyze all these factors. I will select some and then process the data appropriately.</a:t>
+            </a:r>
+          </a:p>
+          <a:p>
+            <a:r>
+              <a:rPr lang="en-US" altLang="zh-CN" dirty="0">
+                <a:hlinkClick r:id="rId2"/>
+              </a:rPr>
+              <a:t>https://github.com/Tsun1/DAV-540/blob/master/final%20project.ipynb</a:t>
+            </a:r>
+            <a:endParaRPr lang="en-US" altLang="zh-CN" dirty="0"/>
+          </a:p>
+          <a:p>
+            <a:r>
+              <a:rPr kumimoji="1" lang="en-US" altLang="zh-CN" dirty="0"/>
+              <a:t>200</a:t>
+            </a:r>
+            <a:r>
+              <a:rPr kumimoji="1" lang="zh-CN" altLang="en-US" dirty="0"/>
+              <a:t> </a:t>
+            </a:r>
+            <a:r>
+              <a:rPr kumimoji="1" lang="en-US" altLang="zh-CN" dirty="0"/>
+              <a:t>columns</a:t>
+            </a:r>
+            <a:endParaRPr kumimoji="1" lang="zh-CN" altLang="en-US" dirty="0"/>
+          </a:p>
+        </p:txBody>
+      </p:sp>
+    </p:spTree>
+    <p:extLst>
+      <p:ext uri="{BB962C8B-B14F-4D97-AF65-F5344CB8AC3E}">
+        <p14:creationId xmlns:p14="http://schemas.microsoft.com/office/powerpoint/2010/main" val="3423393592"/>
+      </p:ext>
+    </p:extLst>
+  </p:cSld>
+  <p:clrMapOvr>
+    <a:masterClrMapping/>
+  </p:clrMapOvr>
+</p:sld>
+</file>
+
+<file path=ppt/slides/slide15.xml><?xml version="1.0" encoding="utf-8"?>
+<p:sld xmlns:a="http://schemas.openxmlformats.org/drawingml/2006/main" xmlns:r="http://schemas.openxmlformats.org/officeDocument/2006/relationships" xmlns:p="http://schemas.openxmlformats.org/presentationml/2006/main">
+  <p:cSld>
+    <p:spTree>
+      <p:nvGrpSpPr>
+        <p:cNvPr id="1" name=""/>
+        <p:cNvGrpSpPr/>
+        <p:nvPr/>
+      </p:nvGrpSpPr>
+      <p:grpSpPr>
+        <a:xfrm>
+          <a:off x="0" y="0"/>
+          <a:ext cx="0" cy="0"/>
+          <a:chOff x="0" y="0"/>
+          <a:chExt cx="0" cy="0"/>
+        </a:xfrm>
+      </p:grpSpPr>
+      <p:sp>
+        <p:nvSpPr>
+          <p:cNvPr id="2" name="标题 1">
+            <a:extLst>
+              <a:ext uri="{FF2B5EF4-FFF2-40B4-BE49-F238E27FC236}">
                 <a16:creationId xmlns:a16="http://schemas.microsoft.com/office/drawing/2014/main" id="{62F0D28F-A3FD-F547-AC88-037AF2011B0E}"/>
               </a:ext>
             </a:extLst>
@@ -9626,7 +9734,7 @@
             <p:ph idx="1"/>
             <p:extLst>
               <p:ext uri="{D42A27DB-BD31-4B8C-83A1-F6EECF244321}">
-                <p14:modId xmlns:p14="http://schemas.microsoft.com/office/powerpoint/2010/main" val="2028133224"/>
+                <p14:modId xmlns:p14="http://schemas.microsoft.com/office/powerpoint/2010/main" val="1589577830"/>
               </p:ext>
             </p:extLst>
           </p:nvPr>
